--- a/Source_두진/_DATA_EDA/_고장자전거_대여패턴예측/고장자전거_대여패턴예측 정리_20241108.pptx
+++ b/Source_두진/_DATA_EDA/_고장자전거_대여패턴예측/고장자전거_대여패턴예측 정리_20241108.pptx
@@ -27,7 +27,9 @@
     <p:sldId id="271" r:id="rId21"/>
     <p:sldId id="267" r:id="rId22"/>
     <p:sldId id="276" r:id="rId23"/>
-    <p:sldId id="275" r:id="rId24"/>
+    <p:sldId id="279" r:id="rId24"/>
+    <p:sldId id="275" r:id="rId25"/>
+    <p:sldId id="280" r:id="rId26"/>
   </p:sldIdLst>
   <p:sldSz cx="12192000" cy="6858000"/>
   <p:notesSz cx="6858000" cy="9144000"/>
@@ -126,6 +128,11 @@
       </a:defRPr>
     </a:lvl9pPr>
   </p:defaultTextStyle>
+  <p:extLst>
+    <p:ext uri="{EFAFB233-063F-42B5-8137-9DF3F51BA10A}">
+      <p15:sldGuideLst xmlns:p15="http://schemas.microsoft.com/office/powerpoint/2012/main"/>
+    </p:ext>
+  </p:extLst>
 </p:presentation>
 </file>
 
@@ -276,7 +283,7 @@
           <a:p>
             <a:fld id="{884D0867-2505-4FDA-8967-29F421AF88E6}" type="datetimeFigureOut">
               <a:rPr lang="ko-KR" altLang="en-US" smtClean="0"/>
-              <a:t>2024-11-08</a:t>
+              <a:t>2024-11-09</a:t>
             </a:fld>
             <a:endParaRPr lang="ko-KR" altLang="en-US"/>
           </a:p>
@@ -474,7 +481,7 @@
           <a:p>
             <a:fld id="{884D0867-2505-4FDA-8967-29F421AF88E6}" type="datetimeFigureOut">
               <a:rPr lang="ko-KR" altLang="en-US" smtClean="0"/>
-              <a:t>2024-11-08</a:t>
+              <a:t>2024-11-09</a:t>
             </a:fld>
             <a:endParaRPr lang="ko-KR" altLang="en-US"/>
           </a:p>
@@ -682,7 +689,7 @@
           <a:p>
             <a:fld id="{884D0867-2505-4FDA-8967-29F421AF88E6}" type="datetimeFigureOut">
               <a:rPr lang="ko-KR" altLang="en-US" smtClean="0"/>
-              <a:t>2024-11-08</a:t>
+              <a:t>2024-11-09</a:t>
             </a:fld>
             <a:endParaRPr lang="ko-KR" altLang="en-US"/>
           </a:p>
@@ -880,7 +887,7 @@
           <a:p>
             <a:fld id="{884D0867-2505-4FDA-8967-29F421AF88E6}" type="datetimeFigureOut">
               <a:rPr lang="ko-KR" altLang="en-US" smtClean="0"/>
-              <a:t>2024-11-08</a:t>
+              <a:t>2024-11-09</a:t>
             </a:fld>
             <a:endParaRPr lang="ko-KR" altLang="en-US"/>
           </a:p>
@@ -1155,7 +1162,7 @@
           <a:p>
             <a:fld id="{884D0867-2505-4FDA-8967-29F421AF88E6}" type="datetimeFigureOut">
               <a:rPr lang="ko-KR" altLang="en-US" smtClean="0"/>
-              <a:t>2024-11-08</a:t>
+              <a:t>2024-11-09</a:t>
             </a:fld>
             <a:endParaRPr lang="ko-KR" altLang="en-US"/>
           </a:p>
@@ -1420,7 +1427,7 @@
           <a:p>
             <a:fld id="{884D0867-2505-4FDA-8967-29F421AF88E6}" type="datetimeFigureOut">
               <a:rPr lang="ko-KR" altLang="en-US" smtClean="0"/>
-              <a:t>2024-11-08</a:t>
+              <a:t>2024-11-09</a:t>
             </a:fld>
             <a:endParaRPr lang="ko-KR" altLang="en-US"/>
           </a:p>
@@ -1832,7 +1839,7 @@
           <a:p>
             <a:fld id="{884D0867-2505-4FDA-8967-29F421AF88E6}" type="datetimeFigureOut">
               <a:rPr lang="ko-KR" altLang="en-US" smtClean="0"/>
-              <a:t>2024-11-08</a:t>
+              <a:t>2024-11-09</a:t>
             </a:fld>
             <a:endParaRPr lang="ko-KR" altLang="en-US"/>
           </a:p>
@@ -1973,7 +1980,7 @@
           <a:p>
             <a:fld id="{884D0867-2505-4FDA-8967-29F421AF88E6}" type="datetimeFigureOut">
               <a:rPr lang="ko-KR" altLang="en-US" smtClean="0"/>
-              <a:t>2024-11-08</a:t>
+              <a:t>2024-11-09</a:t>
             </a:fld>
             <a:endParaRPr lang="ko-KR" altLang="en-US"/>
           </a:p>
@@ -2086,7 +2093,7 @@
           <a:p>
             <a:fld id="{884D0867-2505-4FDA-8967-29F421AF88E6}" type="datetimeFigureOut">
               <a:rPr lang="ko-KR" altLang="en-US" smtClean="0"/>
-              <a:t>2024-11-08</a:t>
+              <a:t>2024-11-09</a:t>
             </a:fld>
             <a:endParaRPr lang="ko-KR" altLang="en-US"/>
           </a:p>
@@ -2397,7 +2404,7 @@
           <a:p>
             <a:fld id="{884D0867-2505-4FDA-8967-29F421AF88E6}" type="datetimeFigureOut">
               <a:rPr lang="ko-KR" altLang="en-US" smtClean="0"/>
-              <a:t>2024-11-08</a:t>
+              <a:t>2024-11-09</a:t>
             </a:fld>
             <a:endParaRPr lang="ko-KR" altLang="en-US"/>
           </a:p>
@@ -2685,7 +2692,7 @@
           <a:p>
             <a:fld id="{884D0867-2505-4FDA-8967-29F421AF88E6}" type="datetimeFigureOut">
               <a:rPr lang="ko-KR" altLang="en-US" smtClean="0"/>
-              <a:t>2024-11-08</a:t>
+              <a:t>2024-11-09</a:t>
             </a:fld>
             <a:endParaRPr lang="ko-KR" altLang="en-US"/>
           </a:p>
@@ -2926,7 +2933,7 @@
           <a:p>
             <a:fld id="{884D0867-2505-4FDA-8967-29F421AF88E6}" type="datetimeFigureOut">
               <a:rPr lang="ko-KR" altLang="en-US" smtClean="0"/>
-              <a:t>2024-11-08</a:t>
+              <a:t>2024-11-09</a:t>
             </a:fld>
             <a:endParaRPr lang="ko-KR" altLang="en-US"/>
           </a:p>
@@ -8459,6 +8466,151 @@
           </a:ln>
         </p:spPr>
       </p:pic>
+      <p:sp>
+        <p:nvSpPr>
+          <p:cNvPr id="8" name="TextBox 7">
+            <a:extLst>
+              <a:ext uri="{FF2B5EF4-FFF2-40B4-BE49-F238E27FC236}">
+                <a16:creationId xmlns:a16="http://schemas.microsoft.com/office/drawing/2014/main" id="{81D9C50F-2B80-42A1-81FF-C2AB1C49671C}"/>
+              </a:ext>
+            </a:extLst>
+          </p:cNvPr>
+          <p:cNvSpPr txBox="1"/>
+          <p:nvPr/>
+        </p:nvSpPr>
+        <p:spPr>
+          <a:xfrm>
+            <a:off x="6815643" y="4443065"/>
+            <a:ext cx="2961067" cy="430887"/>
+          </a:xfrm>
+          <a:prstGeom prst="rect">
+            <a:avLst/>
+          </a:prstGeom>
+          <a:noFill/>
+        </p:spPr>
+        <p:txBody>
+          <a:bodyPr wrap="none" rtlCol="0">
+            <a:spAutoFit/>
+          </a:bodyPr>
+          <a:lstStyle/>
+          <a:p>
+            <a:r>
+              <a:rPr lang="en-US" altLang="ko-KR" sz="1100" b="1" dirty="0">
+                <a:solidFill>
+                  <a:srgbClr val="FF0000"/>
+                </a:solidFill>
+              </a:rPr>
+              <a:t>※ 23</a:t>
+            </a:r>
+            <a:r>
+              <a:rPr lang="ko-KR" altLang="en-US" sz="1100" b="1" dirty="0">
+                <a:solidFill>
+                  <a:srgbClr val="FF0000"/>
+                </a:solidFill>
+              </a:rPr>
+              <a:t>년 대여이력 월별 집계 이상치 제거 후</a:t>
+            </a:r>
+            <a:r>
+              <a:rPr lang="en-US" altLang="ko-KR" sz="1100" b="1" dirty="0">
+                <a:solidFill>
+                  <a:srgbClr val="FF0000"/>
+                </a:solidFill>
+              </a:rPr>
+              <a:t>,</a:t>
+            </a:r>
+          </a:p>
+          <a:p>
+            <a:r>
+              <a:rPr lang="ko-KR" altLang="en-US" sz="1100" b="1" dirty="0">
+                <a:solidFill>
+                  <a:srgbClr val="FF0000"/>
+                </a:solidFill>
+              </a:rPr>
+              <a:t>모델링 시</a:t>
+            </a:r>
+            <a:r>
+              <a:rPr lang="en-US" altLang="ko-KR" sz="1100" b="1" dirty="0">
+                <a:solidFill>
+                  <a:srgbClr val="FF0000"/>
+                </a:solidFill>
+              </a:rPr>
+              <a:t>, </a:t>
+            </a:r>
+            <a:r>
+              <a:rPr lang="ko-KR" altLang="en-US" sz="1100" b="1" dirty="0">
+                <a:solidFill>
+                  <a:srgbClr val="FF0000"/>
+                </a:solidFill>
+              </a:rPr>
+              <a:t>정확도가 </a:t>
+            </a:r>
+            <a:r>
+              <a:rPr lang="en-US" altLang="ko-KR" sz="1100" b="1" dirty="0">
+                <a:solidFill>
+                  <a:srgbClr val="FF0000"/>
+                </a:solidFill>
+              </a:rPr>
+              <a:t>0.82</a:t>
+            </a:r>
+            <a:r>
+              <a:rPr lang="ko-KR" altLang="en-US" sz="1100" b="1" dirty="0">
+                <a:solidFill>
+                  <a:srgbClr val="FF0000"/>
+                </a:solidFill>
+              </a:rPr>
+              <a:t>정도로 더 낮아짐</a:t>
+            </a:r>
+            <a:r>
+              <a:rPr lang="en-US" altLang="ko-KR" sz="1100" b="1" dirty="0">
+                <a:solidFill>
+                  <a:srgbClr val="FF0000"/>
+                </a:solidFill>
+              </a:rPr>
+              <a:t>.</a:t>
+            </a:r>
+            <a:endParaRPr lang="ko-KR" altLang="en-US" sz="1100" b="1" dirty="0">
+              <a:solidFill>
+                <a:srgbClr val="FF0000"/>
+              </a:solidFill>
+            </a:endParaRPr>
+          </a:p>
+        </p:txBody>
+      </p:sp>
+      <p:pic>
+        <p:nvPicPr>
+          <p:cNvPr id="2" name="그림 1">
+            <a:extLst>
+              <a:ext uri="{FF2B5EF4-FFF2-40B4-BE49-F238E27FC236}">
+                <a16:creationId xmlns:a16="http://schemas.microsoft.com/office/drawing/2014/main" id="{880F3463-2664-4E65-93B8-ED0D0056590F}"/>
+              </a:ext>
+            </a:extLst>
+          </p:cNvPr>
+          <p:cNvPicPr>
+            <a:picLocks noChangeAspect="1"/>
+          </p:cNvPicPr>
+          <p:nvPr/>
+        </p:nvPicPr>
+        <p:blipFill>
+          <a:blip r:embed="rId5"/>
+          <a:stretch>
+            <a:fillRect/>
+          </a:stretch>
+        </p:blipFill>
+        <p:spPr>
+          <a:xfrm>
+            <a:off x="6920632" y="4926925"/>
+            <a:ext cx="2268192" cy="1667974"/>
+          </a:xfrm>
+          <a:prstGeom prst="rect">
+            <a:avLst/>
+          </a:prstGeom>
+          <a:ln>
+            <a:solidFill>
+              <a:schemeClr val="accent1"/>
+            </a:solidFill>
+          </a:ln>
+        </p:spPr>
+      </p:pic>
     </p:spTree>
     <p:extLst>
       <p:ext uri="{BB962C8B-B14F-4D97-AF65-F5344CB8AC3E}">
@@ -8711,6 +8863,143 @@
         </p:nvSpPr>
         <p:spPr>
           <a:xfrm>
+            <a:off x="995082" y="347847"/>
+            <a:ext cx="2005677" cy="523220"/>
+          </a:xfrm>
+          <a:prstGeom prst="rect">
+            <a:avLst/>
+          </a:prstGeom>
+          <a:noFill/>
+        </p:spPr>
+        <p:txBody>
+          <a:bodyPr wrap="none" rtlCol="0">
+            <a:spAutoFit/>
+          </a:bodyPr>
+          <a:lstStyle/>
+          <a:p>
+            <a:r>
+              <a:rPr lang="en-US" altLang="ko-KR" sz="2800" b="1" dirty="0"/>
+              <a:t>&gt; </a:t>
+            </a:r>
+            <a:r>
+              <a:rPr lang="ko-KR" altLang="en-US" sz="2800" b="1" dirty="0"/>
+              <a:t>한계사항</a:t>
+            </a:r>
+          </a:p>
+        </p:txBody>
+      </p:sp>
+      <p:sp>
+        <p:nvSpPr>
+          <p:cNvPr id="8" name="TextBox 7">
+            <a:extLst>
+              <a:ext uri="{FF2B5EF4-FFF2-40B4-BE49-F238E27FC236}">
+                <a16:creationId xmlns:a16="http://schemas.microsoft.com/office/drawing/2014/main" id="{A7ECC6AB-6326-48F7-922B-F85A5C5C7CDD}"/>
+              </a:ext>
+            </a:extLst>
+          </p:cNvPr>
+          <p:cNvSpPr txBox="1"/>
+          <p:nvPr/>
+        </p:nvSpPr>
+        <p:spPr>
+          <a:xfrm>
+            <a:off x="1078209" y="1443721"/>
+            <a:ext cx="7596951" cy="1015663"/>
+          </a:xfrm>
+          <a:prstGeom prst="rect">
+            <a:avLst/>
+          </a:prstGeom>
+          <a:noFill/>
+        </p:spPr>
+        <p:txBody>
+          <a:bodyPr wrap="none" rtlCol="0">
+            <a:spAutoFit/>
+          </a:bodyPr>
+          <a:lstStyle/>
+          <a:p>
+            <a:pPr marL="457200" indent="-457200">
+              <a:buAutoNum type="arabicPeriod"/>
+            </a:pPr>
+            <a:r>
+              <a:rPr lang="ko-KR" altLang="en-US" sz="2000" b="1" dirty="0"/>
+              <a:t>정상이고</a:t>
+            </a:r>
+            <a:r>
+              <a:rPr lang="en-US" altLang="ko-KR" sz="2000" b="1" dirty="0"/>
+              <a:t>, </a:t>
+            </a:r>
+            <a:r>
+              <a:rPr lang="ko-KR" altLang="en-US" sz="2000" b="1" dirty="0"/>
+              <a:t>이상패턴 횟수가 높은 자전거의 경우</a:t>
+            </a:r>
+            <a:r>
+              <a:rPr lang="en-US" altLang="ko-KR" sz="2000" b="1" dirty="0"/>
+              <a:t>, </a:t>
+            </a:r>
+          </a:p>
+          <a:p>
+            <a:r>
+              <a:rPr lang="en-US" altLang="ko-KR" sz="2000" b="1" dirty="0"/>
+              <a:t>     </a:t>
+            </a:r>
+            <a:r>
+              <a:rPr lang="ko-KR" altLang="en-US" sz="2000" b="1" dirty="0"/>
+              <a:t>현재 고장상태이나 신고를 안 한 경우 일수 있으나 확인 불가</a:t>
+            </a:r>
+            <a:endParaRPr lang="en-US" altLang="ko-KR" sz="2000" b="1" dirty="0"/>
+          </a:p>
+          <a:p>
+            <a:r>
+              <a:rPr lang="en-US" altLang="ko-KR" sz="2000" b="1" dirty="0"/>
+              <a:t>2. </a:t>
+            </a:r>
+            <a:endParaRPr lang="ko-KR" altLang="en-US" sz="2000" b="1" dirty="0"/>
+          </a:p>
+        </p:txBody>
+      </p:sp>
+    </p:spTree>
+    <p:extLst>
+      <p:ext uri="{BB962C8B-B14F-4D97-AF65-F5344CB8AC3E}">
+        <p14:creationId xmlns:p14="http://schemas.microsoft.com/office/powerpoint/2010/main" val="4253810172"/>
+      </p:ext>
+    </p:extLst>
+  </p:cSld>
+  <p:clrMapOvr>
+    <a:masterClrMapping/>
+  </p:clrMapOvr>
+</p:sld>
+</file>
+
+<file path=ppt/slides/slide24.xml><?xml version="1.0" encoding="utf-8"?>
+<p:sld xmlns:a="http://schemas.openxmlformats.org/drawingml/2006/main" xmlns:r="http://schemas.openxmlformats.org/officeDocument/2006/relationships" xmlns:p="http://schemas.openxmlformats.org/presentationml/2006/main">
+  <p:cSld>
+    <p:spTree>
+      <p:nvGrpSpPr>
+        <p:cNvPr id="1" name=""/>
+        <p:cNvGrpSpPr/>
+        <p:nvPr/>
+      </p:nvGrpSpPr>
+      <p:grpSpPr>
+        <a:xfrm>
+          <a:off x="0" y="0"/>
+          <a:ext cx="0" cy="0"/>
+          <a:chOff x="0" y="0"/>
+          <a:chExt cx="0" cy="0"/>
+        </a:xfrm>
+      </p:grpSpPr>
+      <p:sp>
+        <p:nvSpPr>
+          <p:cNvPr id="7" name="TextBox 6">
+            <a:extLst>
+              <a:ext uri="{FF2B5EF4-FFF2-40B4-BE49-F238E27FC236}">
+                <a16:creationId xmlns:a16="http://schemas.microsoft.com/office/drawing/2014/main" id="{96DFC00C-5A37-4232-AA40-0C39F6FD0F9C}"/>
+              </a:ext>
+            </a:extLst>
+          </p:cNvPr>
+          <p:cNvSpPr txBox="1"/>
+          <p:nvPr/>
+        </p:nvSpPr>
+        <p:spPr>
+          <a:xfrm>
             <a:off x="995082" y="2130466"/>
             <a:ext cx="10337936" cy="923330"/>
           </a:xfrm>
@@ -8773,6 +9062,450 @@
     <p:extLst>
       <p:ext uri="{BB962C8B-B14F-4D97-AF65-F5344CB8AC3E}">
         <p14:creationId xmlns:p14="http://schemas.microsoft.com/office/powerpoint/2010/main" val="2007936300"/>
+      </p:ext>
+    </p:extLst>
+  </p:cSld>
+  <p:clrMapOvr>
+    <a:masterClrMapping/>
+  </p:clrMapOvr>
+</p:sld>
+</file>
+
+<file path=ppt/slides/slide25.xml><?xml version="1.0" encoding="utf-8"?>
+<p:sld xmlns:a="http://schemas.openxmlformats.org/drawingml/2006/main" xmlns:r="http://schemas.openxmlformats.org/officeDocument/2006/relationships" xmlns:p="http://schemas.openxmlformats.org/presentationml/2006/main">
+  <p:cSld>
+    <p:spTree>
+      <p:nvGrpSpPr>
+        <p:cNvPr id="1" name=""/>
+        <p:cNvGrpSpPr/>
+        <p:nvPr/>
+      </p:nvGrpSpPr>
+      <p:grpSpPr>
+        <a:xfrm>
+          <a:off x="0" y="0"/>
+          <a:ext cx="0" cy="0"/>
+          <a:chOff x="0" y="0"/>
+          <a:chExt cx="0" cy="0"/>
+        </a:xfrm>
+      </p:grpSpPr>
+      <p:pic>
+        <p:nvPicPr>
+          <p:cNvPr id="2" name="그림 1">
+            <a:extLst>
+              <a:ext uri="{FF2B5EF4-FFF2-40B4-BE49-F238E27FC236}">
+                <a16:creationId xmlns:a16="http://schemas.microsoft.com/office/drawing/2014/main" id="{0FE95059-967E-4B66-89D1-CDB74463A8BB}"/>
+              </a:ext>
+            </a:extLst>
+          </p:cNvPr>
+          <p:cNvPicPr>
+            <a:picLocks noChangeAspect="1"/>
+          </p:cNvPicPr>
+          <p:nvPr/>
+        </p:nvPicPr>
+        <p:blipFill>
+          <a:blip r:embed="rId2"/>
+          <a:stretch>
+            <a:fillRect/>
+          </a:stretch>
+        </p:blipFill>
+        <p:spPr>
+          <a:xfrm>
+            <a:off x="877227" y="926382"/>
+            <a:ext cx="4570578" cy="3854068"/>
+          </a:xfrm>
+          <a:prstGeom prst="rect">
+            <a:avLst/>
+          </a:prstGeom>
+          <a:ln>
+            <a:solidFill>
+              <a:schemeClr val="accent1"/>
+            </a:solidFill>
+          </a:ln>
+        </p:spPr>
+      </p:pic>
+      <p:sp>
+        <p:nvSpPr>
+          <p:cNvPr id="5" name="TextBox 4">
+            <a:extLst>
+              <a:ext uri="{FF2B5EF4-FFF2-40B4-BE49-F238E27FC236}">
+                <a16:creationId xmlns:a16="http://schemas.microsoft.com/office/drawing/2014/main" id="{FBE79B15-F1CF-4297-8355-4BD666B74FEC}"/>
+              </a:ext>
+            </a:extLst>
+          </p:cNvPr>
+          <p:cNvSpPr txBox="1"/>
+          <p:nvPr/>
+        </p:nvSpPr>
+        <p:spPr>
+          <a:xfrm>
+            <a:off x="766390" y="649383"/>
+            <a:ext cx="2005677" cy="276999"/>
+          </a:xfrm>
+          <a:prstGeom prst="rect">
+            <a:avLst/>
+          </a:prstGeom>
+          <a:noFill/>
+        </p:spPr>
+        <p:txBody>
+          <a:bodyPr wrap="none" rtlCol="0">
+            <a:spAutoFit/>
+          </a:bodyPr>
+          <a:lstStyle/>
+          <a:p>
+            <a:r>
+              <a:rPr lang="ko-KR" altLang="en-US" sz="1200" b="1" dirty="0"/>
+              <a:t>이상치 데이터 가공 </a:t>
+            </a:r>
+            <a:r>
+              <a:rPr lang="en-US" altLang="ko-KR" sz="1200" b="1" dirty="0"/>
+              <a:t>- </a:t>
+            </a:r>
+            <a:r>
+              <a:rPr lang="ko-KR" altLang="en-US" sz="1200" b="1" dirty="0"/>
+              <a:t>이전</a:t>
+            </a:r>
+          </a:p>
+        </p:txBody>
+      </p:sp>
+      <p:pic>
+        <p:nvPicPr>
+          <p:cNvPr id="4" name="그림 3">
+            <a:extLst>
+              <a:ext uri="{FF2B5EF4-FFF2-40B4-BE49-F238E27FC236}">
+                <a16:creationId xmlns:a16="http://schemas.microsoft.com/office/drawing/2014/main" id="{B52D197A-590A-475E-BD2C-3528C7D9B8DD}"/>
+              </a:ext>
+            </a:extLst>
+          </p:cNvPr>
+          <p:cNvPicPr>
+            <a:picLocks noChangeAspect="1"/>
+          </p:cNvPicPr>
+          <p:nvPr/>
+        </p:nvPicPr>
+        <p:blipFill>
+          <a:blip r:embed="rId3"/>
+          <a:stretch>
+            <a:fillRect/>
+          </a:stretch>
+        </p:blipFill>
+        <p:spPr>
+          <a:xfrm>
+            <a:off x="877227" y="4843493"/>
+            <a:ext cx="2436335" cy="1734564"/>
+          </a:xfrm>
+          <a:prstGeom prst="rect">
+            <a:avLst/>
+          </a:prstGeom>
+          <a:ln>
+            <a:solidFill>
+              <a:schemeClr val="accent1"/>
+            </a:solidFill>
+          </a:ln>
+        </p:spPr>
+      </p:pic>
+      <p:sp>
+        <p:nvSpPr>
+          <p:cNvPr id="8" name="TextBox 7">
+            <a:extLst>
+              <a:ext uri="{FF2B5EF4-FFF2-40B4-BE49-F238E27FC236}">
+                <a16:creationId xmlns:a16="http://schemas.microsoft.com/office/drawing/2014/main" id="{A95C497B-160E-4C91-82FA-6B3EA1D1F946}"/>
+              </a:ext>
+            </a:extLst>
+          </p:cNvPr>
+          <p:cNvSpPr txBox="1"/>
+          <p:nvPr/>
+        </p:nvSpPr>
+        <p:spPr>
+          <a:xfrm>
+            <a:off x="6271256" y="649383"/>
+            <a:ext cx="2005677" cy="276999"/>
+          </a:xfrm>
+          <a:prstGeom prst="rect">
+            <a:avLst/>
+          </a:prstGeom>
+          <a:noFill/>
+        </p:spPr>
+        <p:txBody>
+          <a:bodyPr wrap="none" rtlCol="0">
+            <a:spAutoFit/>
+          </a:bodyPr>
+          <a:lstStyle/>
+          <a:p>
+            <a:r>
+              <a:rPr lang="ko-KR" altLang="en-US" sz="1200" b="1" dirty="0"/>
+              <a:t>이상치 데이터 가공 </a:t>
+            </a:r>
+            <a:r>
+              <a:rPr lang="en-US" altLang="ko-KR" sz="1200" b="1" dirty="0"/>
+              <a:t>- </a:t>
+            </a:r>
+            <a:r>
+              <a:rPr lang="ko-KR" altLang="en-US" sz="1200" b="1" dirty="0"/>
+              <a:t>이후</a:t>
+            </a:r>
+          </a:p>
+        </p:txBody>
+      </p:sp>
+      <p:pic>
+        <p:nvPicPr>
+          <p:cNvPr id="6" name="그림 5">
+            <a:extLst>
+              <a:ext uri="{FF2B5EF4-FFF2-40B4-BE49-F238E27FC236}">
+                <a16:creationId xmlns:a16="http://schemas.microsoft.com/office/drawing/2014/main" id="{CE4E14A9-E0E2-4B8B-AC6C-AC95DF987B37}"/>
+              </a:ext>
+            </a:extLst>
+          </p:cNvPr>
+          <p:cNvPicPr>
+            <a:picLocks noChangeAspect="1"/>
+          </p:cNvPicPr>
+          <p:nvPr/>
+        </p:nvPicPr>
+        <p:blipFill>
+          <a:blip r:embed="rId4"/>
+          <a:stretch>
+            <a:fillRect/>
+          </a:stretch>
+        </p:blipFill>
+        <p:spPr>
+          <a:xfrm>
+            <a:off x="6271257" y="926383"/>
+            <a:ext cx="4545824" cy="3854068"/>
+          </a:xfrm>
+          <a:prstGeom prst="rect">
+            <a:avLst/>
+          </a:prstGeom>
+          <a:ln>
+            <a:solidFill>
+              <a:schemeClr val="accent1"/>
+            </a:solidFill>
+          </a:ln>
+        </p:spPr>
+      </p:pic>
+      <p:sp>
+        <p:nvSpPr>
+          <p:cNvPr id="9" name="TextBox 8">
+            <a:extLst>
+              <a:ext uri="{FF2B5EF4-FFF2-40B4-BE49-F238E27FC236}">
+                <a16:creationId xmlns:a16="http://schemas.microsoft.com/office/drawing/2014/main" id="{1D588E76-4477-48C5-A111-74A5B9A1C43A}"/>
+              </a:ext>
+            </a:extLst>
+          </p:cNvPr>
+          <p:cNvSpPr txBox="1"/>
+          <p:nvPr/>
+        </p:nvSpPr>
+        <p:spPr>
+          <a:xfrm>
+            <a:off x="507772" y="124540"/>
+            <a:ext cx="4196983" cy="276999"/>
+          </a:xfrm>
+          <a:prstGeom prst="rect">
+            <a:avLst/>
+          </a:prstGeom>
+          <a:noFill/>
+        </p:spPr>
+        <p:txBody>
+          <a:bodyPr wrap="none" rtlCol="0">
+            <a:spAutoFit/>
+          </a:bodyPr>
+          <a:lstStyle/>
+          <a:p>
+            <a:r>
+              <a:rPr lang="en-US" altLang="ko-KR" sz="1200" b="1" dirty="0"/>
+              <a:t>['</a:t>
+            </a:r>
+            <a:r>
+              <a:rPr lang="ko-KR" altLang="en-US" sz="1200" b="1" dirty="0"/>
+              <a:t>이상패턴</a:t>
+            </a:r>
+            <a:r>
+              <a:rPr lang="en-US" altLang="ko-KR" sz="1200" b="1" dirty="0"/>
+              <a:t>_5min_</a:t>
+            </a:r>
+            <a:r>
+              <a:rPr lang="ko-KR" altLang="en-US" sz="1200" b="1" dirty="0"/>
+              <a:t>횟수</a:t>
+            </a:r>
+            <a:r>
+              <a:rPr lang="en-US" altLang="ko-KR" sz="1200" b="1" dirty="0"/>
+              <a:t>', '</a:t>
+            </a:r>
+            <a:r>
+              <a:rPr lang="ko-KR" altLang="en-US" sz="1200" b="1" dirty="0"/>
+              <a:t>이용횟수</a:t>
+            </a:r>
+            <a:r>
+              <a:rPr lang="en-US" altLang="ko-KR" sz="1200" b="1" dirty="0"/>
+              <a:t>_</a:t>
+            </a:r>
+            <a:r>
+              <a:rPr lang="ko-KR" altLang="en-US" sz="1200" b="1" dirty="0"/>
+              <a:t>비교</a:t>
+            </a:r>
+            <a:r>
+              <a:rPr lang="en-US" altLang="ko-KR" sz="1200" b="1" dirty="0"/>
+              <a:t>', '</a:t>
+            </a:r>
+            <a:r>
+              <a:rPr lang="ko-KR" altLang="en-US" sz="1200" b="1" dirty="0"/>
+              <a:t>이상패턴</a:t>
+            </a:r>
+            <a:r>
+              <a:rPr lang="en-US" altLang="ko-KR" sz="1200" b="1" dirty="0"/>
+              <a:t>_</a:t>
+            </a:r>
+            <a:r>
+              <a:rPr lang="ko-KR" altLang="en-US" sz="1200" b="1" dirty="0"/>
+              <a:t>비율</a:t>
+            </a:r>
+            <a:r>
+              <a:rPr lang="en-US" altLang="ko-KR" sz="1200" b="1" dirty="0"/>
+              <a:t>'] </a:t>
+            </a:r>
+            <a:endParaRPr lang="ko-KR" altLang="en-US" sz="1200" b="1" dirty="0"/>
+          </a:p>
+        </p:txBody>
+      </p:sp>
+      <p:pic>
+        <p:nvPicPr>
+          <p:cNvPr id="10" name="그림 9">
+            <a:extLst>
+              <a:ext uri="{FF2B5EF4-FFF2-40B4-BE49-F238E27FC236}">
+                <a16:creationId xmlns:a16="http://schemas.microsoft.com/office/drawing/2014/main" id="{DA17B6F6-05B3-482A-A5CC-C79475E294DF}"/>
+              </a:ext>
+            </a:extLst>
+          </p:cNvPr>
+          <p:cNvPicPr>
+            <a:picLocks noChangeAspect="1"/>
+          </p:cNvPicPr>
+          <p:nvPr/>
+        </p:nvPicPr>
+        <p:blipFill>
+          <a:blip r:embed="rId5"/>
+          <a:stretch>
+            <a:fillRect/>
+          </a:stretch>
+        </p:blipFill>
+        <p:spPr>
+          <a:xfrm>
+            <a:off x="6297316" y="4843493"/>
+            <a:ext cx="2436335" cy="1806721"/>
+          </a:xfrm>
+          <a:prstGeom prst="rect">
+            <a:avLst/>
+          </a:prstGeom>
+          <a:ln>
+            <a:solidFill>
+              <a:schemeClr val="accent1"/>
+            </a:solidFill>
+          </a:ln>
+        </p:spPr>
+      </p:pic>
+      <p:sp>
+        <p:nvSpPr>
+          <p:cNvPr id="11" name="직사각형 10">
+            <a:extLst>
+              <a:ext uri="{FF2B5EF4-FFF2-40B4-BE49-F238E27FC236}">
+                <a16:creationId xmlns:a16="http://schemas.microsoft.com/office/drawing/2014/main" id="{03B45587-A589-437E-9F43-5A0ED9783BEC}"/>
+              </a:ext>
+            </a:extLst>
+          </p:cNvPr>
+          <p:cNvSpPr/>
+          <p:nvPr/>
+        </p:nvSpPr>
+        <p:spPr>
+          <a:xfrm>
+            <a:off x="877227" y="4815785"/>
+            <a:ext cx="1764939" cy="175491"/>
+          </a:xfrm>
+          <a:prstGeom prst="rect">
+            <a:avLst/>
+          </a:prstGeom>
+          <a:noFill/>
+          <a:ln w="38100">
+            <a:solidFill>
+              <a:srgbClr val="FF0000"/>
+            </a:solidFill>
+          </a:ln>
+        </p:spPr>
+        <p:style>
+          <a:lnRef idx="2">
+            <a:schemeClr val="accent1">
+              <a:shade val="50000"/>
+            </a:schemeClr>
+          </a:lnRef>
+          <a:fillRef idx="1">
+            <a:schemeClr val="accent1"/>
+          </a:fillRef>
+          <a:effectRef idx="0">
+            <a:schemeClr val="accent1"/>
+          </a:effectRef>
+          <a:fontRef idx="minor">
+            <a:schemeClr val="lt1"/>
+          </a:fontRef>
+        </p:style>
+        <p:txBody>
+          <a:bodyPr rtlCol="0" anchor="ctr"/>
+          <a:lstStyle/>
+          <a:p>
+            <a:pPr algn="ctr"/>
+            <a:endParaRPr lang="ko-KR" altLang="en-US"/>
+          </a:p>
+        </p:txBody>
+      </p:sp>
+      <p:sp>
+        <p:nvSpPr>
+          <p:cNvPr id="12" name="직사각형 11">
+            <a:extLst>
+              <a:ext uri="{FF2B5EF4-FFF2-40B4-BE49-F238E27FC236}">
+                <a16:creationId xmlns:a16="http://schemas.microsoft.com/office/drawing/2014/main" id="{94F7A586-0525-4D25-AC63-BF298233FC36}"/>
+              </a:ext>
+            </a:extLst>
+          </p:cNvPr>
+          <p:cNvSpPr/>
+          <p:nvPr/>
+        </p:nvSpPr>
+        <p:spPr>
+          <a:xfrm>
+            <a:off x="6297316" y="4815785"/>
+            <a:ext cx="1764939" cy="175491"/>
+          </a:xfrm>
+          <a:prstGeom prst="rect">
+            <a:avLst/>
+          </a:prstGeom>
+          <a:noFill/>
+          <a:ln w="38100">
+            <a:solidFill>
+              <a:srgbClr val="FF0000"/>
+            </a:solidFill>
+          </a:ln>
+        </p:spPr>
+        <p:style>
+          <a:lnRef idx="2">
+            <a:schemeClr val="accent1">
+              <a:shade val="50000"/>
+            </a:schemeClr>
+          </a:lnRef>
+          <a:fillRef idx="1">
+            <a:schemeClr val="accent1"/>
+          </a:fillRef>
+          <a:effectRef idx="0">
+            <a:schemeClr val="accent1"/>
+          </a:effectRef>
+          <a:fontRef idx="minor">
+            <a:schemeClr val="lt1"/>
+          </a:fontRef>
+        </p:style>
+        <p:txBody>
+          <a:bodyPr rtlCol="0" anchor="ctr"/>
+          <a:lstStyle/>
+          <a:p>
+            <a:pPr algn="ctr"/>
+            <a:endParaRPr lang="ko-KR" altLang="en-US"/>
+          </a:p>
+        </p:txBody>
+      </p:sp>
+    </p:spTree>
+    <p:extLst>
+      <p:ext uri="{BB962C8B-B14F-4D97-AF65-F5344CB8AC3E}">
+        <p14:creationId xmlns:p14="http://schemas.microsoft.com/office/powerpoint/2010/main" val="3568617921"/>
       </p:ext>
     </p:extLst>
   </p:cSld>

--- a/Source_두진/_DATA_EDA/_고장자전거_대여패턴예측/고장자전거_대여패턴예측 정리_20241108.pptx
+++ b/Source_두진/_DATA_EDA/_고장자전거_대여패턴예측/고장자전거_대여패턴예측 정리_20241108.pptx
@@ -8952,7 +8952,10 @@
               <a:rPr lang="en-US" altLang="ko-KR" sz="2000" b="1" dirty="0"/>
               <a:t>2. </a:t>
             </a:r>
-            <a:endParaRPr lang="ko-KR" altLang="en-US" sz="2000" b="1" dirty="0"/>
+            <a:r>
+              <a:rPr lang="ko-KR" altLang="en-US" sz="2000" b="1" dirty="0"/>
+              <a:t>고장은 잘 예측하나、 정상을 오 예측하는 부분 개선관련</a:t>
+            </a:r>
           </a:p>
         </p:txBody>
       </p:sp>

--- a/Source_두진/_DATA_EDA/_고장자전거_대여패턴예측/고장자전거_대여패턴예측 정리_20241108.pptx
+++ b/Source_두진/_DATA_EDA/_고장자전거_대여패턴예측/고장자전거_대여패턴예측 정리_20241108.pptx
@@ -3564,6 +3564,42 @@
           <a:chExt cx="0" cy="0"/>
         </a:xfrm>
       </p:grpSpPr>
+      <p:pic>
+        <p:nvPicPr>
+          <p:cNvPr id="4" name="그림 3">
+            <a:extLst>
+              <a:ext uri="{FF2B5EF4-FFF2-40B4-BE49-F238E27FC236}">
+                <a16:creationId xmlns:a16="http://schemas.microsoft.com/office/drawing/2014/main" id="{103D089E-AF39-4F6E-864E-F56A09C17763}"/>
+              </a:ext>
+            </a:extLst>
+          </p:cNvPr>
+          <p:cNvPicPr>
+            <a:picLocks noChangeAspect="1"/>
+          </p:cNvPicPr>
+          <p:nvPr/>
+        </p:nvPicPr>
+        <p:blipFill>
+          <a:blip r:embed="rId2">
+            <a:extLst>
+              <a:ext uri="{28A0092B-C50C-407E-A947-70E740481C1C}">
+                <a14:useLocalDpi xmlns:a14="http://schemas.microsoft.com/office/drawing/2010/main" val="0"/>
+              </a:ext>
+            </a:extLst>
+          </a:blip>
+          <a:stretch>
+            <a:fillRect/>
+          </a:stretch>
+        </p:blipFill>
+        <p:spPr>
+          <a:xfrm>
+            <a:off x="852487" y="1714500"/>
+            <a:ext cx="10487025" cy="3429000"/>
+          </a:xfrm>
+          <a:prstGeom prst="rect">
+            <a:avLst/>
+          </a:prstGeom>
+        </p:spPr>
+      </p:pic>
     </p:spTree>
     <p:extLst>
       <p:ext uri="{BB962C8B-B14F-4D97-AF65-F5344CB8AC3E}">
@@ -3594,6 +3630,42 @@
           <a:chExt cx="0" cy="0"/>
         </a:xfrm>
       </p:grpSpPr>
+      <p:pic>
+        <p:nvPicPr>
+          <p:cNvPr id="3" name="그림 2">
+            <a:extLst>
+              <a:ext uri="{FF2B5EF4-FFF2-40B4-BE49-F238E27FC236}">
+                <a16:creationId xmlns:a16="http://schemas.microsoft.com/office/drawing/2014/main" id="{FF04B139-3AB1-4705-9974-A658194AC65A}"/>
+              </a:ext>
+            </a:extLst>
+          </p:cNvPr>
+          <p:cNvPicPr>
+            <a:picLocks noChangeAspect="1"/>
+          </p:cNvPicPr>
+          <p:nvPr/>
+        </p:nvPicPr>
+        <p:blipFill>
+          <a:blip r:embed="rId2">
+            <a:extLst>
+              <a:ext uri="{28A0092B-C50C-407E-A947-70E740481C1C}">
+                <a14:useLocalDpi xmlns:a14="http://schemas.microsoft.com/office/drawing/2010/main" val="0"/>
+              </a:ext>
+            </a:extLst>
+          </a:blip>
+          <a:stretch>
+            <a:fillRect/>
+          </a:stretch>
+        </p:blipFill>
+        <p:spPr>
+          <a:xfrm>
+            <a:off x="852487" y="1714500"/>
+            <a:ext cx="10487025" cy="3429000"/>
+          </a:xfrm>
+          <a:prstGeom prst="rect">
+            <a:avLst/>
+          </a:prstGeom>
+        </p:spPr>
+      </p:pic>
     </p:spTree>
     <p:extLst>
       <p:ext uri="{BB962C8B-B14F-4D97-AF65-F5344CB8AC3E}">
@@ -3624,6 +3696,42 @@
           <a:chExt cx="0" cy="0"/>
         </a:xfrm>
       </p:grpSpPr>
+      <p:pic>
+        <p:nvPicPr>
+          <p:cNvPr id="3" name="그림 2">
+            <a:extLst>
+              <a:ext uri="{FF2B5EF4-FFF2-40B4-BE49-F238E27FC236}">
+                <a16:creationId xmlns:a16="http://schemas.microsoft.com/office/drawing/2014/main" id="{0133953A-ED84-4090-A2B0-4B6BF9D5C338}"/>
+              </a:ext>
+            </a:extLst>
+          </p:cNvPr>
+          <p:cNvPicPr>
+            <a:picLocks noChangeAspect="1"/>
+          </p:cNvPicPr>
+          <p:nvPr/>
+        </p:nvPicPr>
+        <p:blipFill>
+          <a:blip r:embed="rId2">
+            <a:extLst>
+              <a:ext uri="{28A0092B-C50C-407E-A947-70E740481C1C}">
+                <a14:useLocalDpi xmlns:a14="http://schemas.microsoft.com/office/drawing/2010/main" val="0"/>
+              </a:ext>
+            </a:extLst>
+          </a:blip>
+          <a:stretch>
+            <a:fillRect/>
+          </a:stretch>
+        </p:blipFill>
+        <p:spPr>
+          <a:xfrm>
+            <a:off x="852487" y="1714500"/>
+            <a:ext cx="10487025" cy="3429000"/>
+          </a:xfrm>
+          <a:prstGeom prst="rect">
+            <a:avLst/>
+          </a:prstGeom>
+        </p:spPr>
+      </p:pic>
     </p:spTree>
     <p:extLst>
       <p:ext uri="{BB962C8B-B14F-4D97-AF65-F5344CB8AC3E}">
@@ -3654,6 +3762,42 @@
           <a:chExt cx="0" cy="0"/>
         </a:xfrm>
       </p:grpSpPr>
+      <p:pic>
+        <p:nvPicPr>
+          <p:cNvPr id="3" name="그림 2">
+            <a:extLst>
+              <a:ext uri="{FF2B5EF4-FFF2-40B4-BE49-F238E27FC236}">
+                <a16:creationId xmlns:a16="http://schemas.microsoft.com/office/drawing/2014/main" id="{64B3EC49-DE9A-47E0-BB3F-BAD5A4EFE3B3}"/>
+              </a:ext>
+            </a:extLst>
+          </p:cNvPr>
+          <p:cNvPicPr>
+            <a:picLocks noChangeAspect="1"/>
+          </p:cNvPicPr>
+          <p:nvPr/>
+        </p:nvPicPr>
+        <p:blipFill>
+          <a:blip r:embed="rId2">
+            <a:extLst>
+              <a:ext uri="{28A0092B-C50C-407E-A947-70E740481C1C}">
+                <a14:useLocalDpi xmlns:a14="http://schemas.microsoft.com/office/drawing/2010/main" val="0"/>
+              </a:ext>
+            </a:extLst>
+          </a:blip>
+          <a:stretch>
+            <a:fillRect/>
+          </a:stretch>
+        </p:blipFill>
+        <p:spPr>
+          <a:xfrm>
+            <a:off x="852487" y="1714500"/>
+            <a:ext cx="10487025" cy="3429000"/>
+          </a:xfrm>
+          <a:prstGeom prst="rect">
+            <a:avLst/>
+          </a:prstGeom>
+        </p:spPr>
+      </p:pic>
     </p:spTree>
     <p:extLst>
       <p:ext uri="{BB962C8B-B14F-4D97-AF65-F5344CB8AC3E}">
@@ -3742,7 +3886,7 @@
         </p:blipFill>
         <p:spPr>
           <a:xfrm>
-            <a:off x="2667000" y="0"/>
+            <a:off x="2461260" y="1181100"/>
             <a:ext cx="6858000" cy="6858000"/>
           </a:xfrm>
           <a:prstGeom prst="rect">
@@ -3755,6 +3899,214 @@
           </a:ln>
         </p:spPr>
       </p:pic>
+      <p:sp>
+        <p:nvSpPr>
+          <p:cNvPr id="4" name="직사각형 3">
+            <a:extLst>
+              <a:ext uri="{FF2B5EF4-FFF2-40B4-BE49-F238E27FC236}">
+                <a16:creationId xmlns:a16="http://schemas.microsoft.com/office/drawing/2014/main" id="{885FCC4D-D158-4076-9BA0-7D659C30A268}"/>
+              </a:ext>
+            </a:extLst>
+          </p:cNvPr>
+          <p:cNvSpPr/>
+          <p:nvPr/>
+        </p:nvSpPr>
+        <p:spPr>
+          <a:xfrm>
+            <a:off x="4282440" y="1775460"/>
+            <a:ext cx="236220" cy="6065520"/>
+          </a:xfrm>
+          <a:prstGeom prst="rect">
+            <a:avLst/>
+          </a:prstGeom>
+          <a:noFill/>
+          <a:ln>
+            <a:solidFill>
+              <a:srgbClr val="FF0000"/>
+            </a:solidFill>
+          </a:ln>
+        </p:spPr>
+        <p:style>
+          <a:lnRef idx="2">
+            <a:schemeClr val="accent1">
+              <a:shade val="50000"/>
+            </a:schemeClr>
+          </a:lnRef>
+          <a:fillRef idx="1">
+            <a:schemeClr val="accent1"/>
+          </a:fillRef>
+          <a:effectRef idx="0">
+            <a:schemeClr val="accent1"/>
+          </a:effectRef>
+          <a:fontRef idx="minor">
+            <a:schemeClr val="lt1"/>
+          </a:fontRef>
+        </p:style>
+        <p:txBody>
+          <a:bodyPr rtlCol="0" anchor="ctr"/>
+          <a:lstStyle/>
+          <a:p>
+            <a:pPr algn="ctr"/>
+            <a:endParaRPr lang="ko-KR" altLang="en-US"/>
+          </a:p>
+        </p:txBody>
+      </p:sp>
+      <p:sp>
+        <p:nvSpPr>
+          <p:cNvPr id="5" name="직사각형 4">
+            <a:extLst>
+              <a:ext uri="{FF2B5EF4-FFF2-40B4-BE49-F238E27FC236}">
+                <a16:creationId xmlns:a16="http://schemas.microsoft.com/office/drawing/2014/main" id="{E3CBF378-344A-4160-A060-4336F0C23274}"/>
+              </a:ext>
+            </a:extLst>
+          </p:cNvPr>
+          <p:cNvSpPr/>
+          <p:nvPr/>
+        </p:nvSpPr>
+        <p:spPr>
+          <a:xfrm>
+            <a:off x="5897880" y="1775460"/>
+            <a:ext cx="243840" cy="6065520"/>
+          </a:xfrm>
+          <a:prstGeom prst="rect">
+            <a:avLst/>
+          </a:prstGeom>
+          <a:noFill/>
+          <a:ln>
+            <a:solidFill>
+              <a:srgbClr val="FF0000"/>
+            </a:solidFill>
+          </a:ln>
+        </p:spPr>
+        <p:style>
+          <a:lnRef idx="2">
+            <a:schemeClr val="accent1">
+              <a:shade val="50000"/>
+            </a:schemeClr>
+          </a:lnRef>
+          <a:fillRef idx="1">
+            <a:schemeClr val="accent1"/>
+          </a:fillRef>
+          <a:effectRef idx="0">
+            <a:schemeClr val="accent1"/>
+          </a:effectRef>
+          <a:fontRef idx="minor">
+            <a:schemeClr val="lt1"/>
+          </a:fontRef>
+        </p:style>
+        <p:txBody>
+          <a:bodyPr rtlCol="0" anchor="ctr"/>
+          <a:lstStyle/>
+          <a:p>
+            <a:pPr algn="ctr"/>
+            <a:endParaRPr lang="ko-KR" altLang="en-US"/>
+          </a:p>
+        </p:txBody>
+      </p:sp>
+      <p:sp>
+        <p:nvSpPr>
+          <p:cNvPr id="6" name="직사각형 5">
+            <a:extLst>
+              <a:ext uri="{FF2B5EF4-FFF2-40B4-BE49-F238E27FC236}">
+                <a16:creationId xmlns:a16="http://schemas.microsoft.com/office/drawing/2014/main" id="{5252C3CE-4274-446E-BDDA-2D8F40353C68}"/>
+              </a:ext>
+            </a:extLst>
+          </p:cNvPr>
+          <p:cNvSpPr/>
+          <p:nvPr/>
+        </p:nvSpPr>
+        <p:spPr>
+          <a:xfrm>
+            <a:off x="7978140" y="1775460"/>
+            <a:ext cx="243840" cy="6065520"/>
+          </a:xfrm>
+          <a:prstGeom prst="rect">
+            <a:avLst/>
+          </a:prstGeom>
+          <a:noFill/>
+          <a:ln>
+            <a:solidFill>
+              <a:srgbClr val="FF0000"/>
+            </a:solidFill>
+          </a:ln>
+        </p:spPr>
+        <p:style>
+          <a:lnRef idx="2">
+            <a:schemeClr val="accent1">
+              <a:shade val="50000"/>
+            </a:schemeClr>
+          </a:lnRef>
+          <a:fillRef idx="1">
+            <a:schemeClr val="accent1"/>
+          </a:fillRef>
+          <a:effectRef idx="0">
+            <a:schemeClr val="accent1"/>
+          </a:effectRef>
+          <a:fontRef idx="minor">
+            <a:schemeClr val="lt1"/>
+          </a:fontRef>
+        </p:style>
+        <p:txBody>
+          <a:bodyPr rtlCol="0" anchor="ctr"/>
+          <a:lstStyle/>
+          <a:p>
+            <a:pPr algn="ctr"/>
+            <a:endParaRPr lang="ko-KR" altLang="en-US"/>
+          </a:p>
+        </p:txBody>
+      </p:sp>
+      <p:sp>
+        <p:nvSpPr>
+          <p:cNvPr id="7" name="직사각형 6">
+            <a:extLst>
+              <a:ext uri="{FF2B5EF4-FFF2-40B4-BE49-F238E27FC236}">
+                <a16:creationId xmlns:a16="http://schemas.microsoft.com/office/drawing/2014/main" id="{EAC70BEB-6CDF-4E2D-93BC-412B7C263A3C}"/>
+              </a:ext>
+            </a:extLst>
+          </p:cNvPr>
+          <p:cNvSpPr/>
+          <p:nvPr/>
+        </p:nvSpPr>
+        <p:spPr>
+          <a:xfrm>
+            <a:off x="8221980" y="1775460"/>
+            <a:ext cx="243840" cy="6065520"/>
+          </a:xfrm>
+          <a:prstGeom prst="rect">
+            <a:avLst/>
+          </a:prstGeom>
+          <a:noFill/>
+          <a:ln>
+            <a:solidFill>
+              <a:srgbClr val="FF0000"/>
+            </a:solidFill>
+          </a:ln>
+        </p:spPr>
+        <p:style>
+          <a:lnRef idx="2">
+            <a:schemeClr val="accent1">
+              <a:shade val="50000"/>
+            </a:schemeClr>
+          </a:lnRef>
+          <a:fillRef idx="1">
+            <a:schemeClr val="accent1"/>
+          </a:fillRef>
+          <a:effectRef idx="0">
+            <a:schemeClr val="accent1"/>
+          </a:effectRef>
+          <a:fontRef idx="minor">
+            <a:schemeClr val="lt1"/>
+          </a:fontRef>
+        </p:style>
+        <p:txBody>
+          <a:bodyPr rtlCol="0" anchor="ctr"/>
+          <a:lstStyle/>
+          <a:p>
+            <a:pPr algn="ctr"/>
+            <a:endParaRPr lang="ko-KR" altLang="en-US"/>
+          </a:p>
+        </p:txBody>
+      </p:sp>
     </p:spTree>
     <p:extLst>
       <p:ext uri="{BB962C8B-B14F-4D97-AF65-F5344CB8AC3E}">
